--- a/Topic agency/The Topics Agency Præsentation.pptx
+++ b/Topic agency/The Topics Agency Præsentation.pptx
@@ -9,9 +9,9 @@
     <p:sldId id="257" r:id="rId3"/>
     <p:sldId id="258" r:id="rId4"/>
     <p:sldId id="259" r:id="rId5"/>
-    <p:sldId id="260" r:id="rId6"/>
-    <p:sldId id="261" r:id="rId7"/>
-    <p:sldId id="262" r:id="rId8"/>
+    <p:sldId id="262" r:id="rId6"/>
+    <p:sldId id="260" r:id="rId7"/>
+    <p:sldId id="261" r:id="rId8"/>
     <p:sldId id="264" r:id="rId9"/>
     <p:sldId id="263" r:id="rId10"/>
     <p:sldId id="265" r:id="rId11"/>
@@ -125,9 +125,9 @@
             <p14:sldId id="257"/>
             <p14:sldId id="258"/>
             <p14:sldId id="259"/>
+            <p14:sldId id="262"/>
             <p14:sldId id="260"/>
             <p14:sldId id="261"/>
-            <p14:sldId id="262"/>
             <p14:sldId id="264"/>
             <p14:sldId id="263"/>
             <p14:sldId id="265"/>
@@ -137,6 +137,9 @@
           </p14:sldIdLst>
         </p14:section>
       </p14:sectionLst>
+    </p:ext>
+    <p:ext uri="{EFAFB233-063F-42B5-8137-9DF3F51BA10A}">
+      <p15:sldGuideLst xmlns:p15="http://schemas.microsoft.com/office/powerpoint/2012/main"/>
     </p:ext>
   </p:extLst>
 </p:presentation>
@@ -8471,6 +8474,96 @@
           <p:cNvPr id="2" name="Titel 1">
             <a:extLst>
               <a:ext uri="{FF2B5EF4-FFF2-40B4-BE49-F238E27FC236}">
+                <a16:creationId xmlns:a16="http://schemas.microsoft.com/office/drawing/2014/main" id="{4C1E04C3-335F-4DE2-B3A4-C2812CC6A8CF}"/>
+              </a:ext>
+            </a:extLst>
+          </p:cNvPr>
+          <p:cNvSpPr>
+            <a:spLocks noGrp="1"/>
+          </p:cNvSpPr>
+          <p:nvPr>
+            <p:ph type="title"/>
+          </p:nvPr>
+        </p:nvSpPr>
+        <p:spPr/>
+        <p:txBody>
+          <a:bodyPr/>
+          <a:lstStyle/>
+          <a:p>
+            <a:r>
+              <a:rPr lang="da-DK" dirty="0"/>
+              <a:t>SSD for UC01</a:t>
+            </a:r>
+          </a:p>
+        </p:txBody>
+      </p:sp>
+      <p:pic>
+        <p:nvPicPr>
+          <p:cNvPr id="4" name="Pladsholder til indhold 3">
+            <a:extLst>
+              <a:ext uri="{FF2B5EF4-FFF2-40B4-BE49-F238E27FC236}">
+                <a16:creationId xmlns:a16="http://schemas.microsoft.com/office/drawing/2014/main" id="{B0FC3B8B-BE44-4CFE-9B62-56433F7EC29B}"/>
+              </a:ext>
+            </a:extLst>
+          </p:cNvPr>
+          <p:cNvPicPr>
+            <a:picLocks noGrp="1"/>
+          </p:cNvPicPr>
+          <p:nvPr>
+            <p:ph idx="1"/>
+          </p:nvPr>
+        </p:nvPicPr>
+        <p:blipFill>
+          <a:blip r:embed="rId2"/>
+          <a:stretch>
+            <a:fillRect/>
+          </a:stretch>
+        </p:blipFill>
+        <p:spPr>
+          <a:xfrm>
+            <a:off x="4665306" y="1530221"/>
+            <a:ext cx="4683967" cy="4963886"/>
+          </a:xfrm>
+          <a:prstGeom prst="rect">
+            <a:avLst/>
+          </a:prstGeom>
+        </p:spPr>
+      </p:pic>
+    </p:spTree>
+    <p:extLst>
+      <p:ext uri="{BB962C8B-B14F-4D97-AF65-F5344CB8AC3E}">
+        <p14:creationId xmlns:p14="http://schemas.microsoft.com/office/powerpoint/2010/main" val="752753237"/>
+      </p:ext>
+    </p:extLst>
+  </p:cSld>
+  <p:clrMapOvr>
+    <a:masterClrMapping/>
+  </p:clrMapOvr>
+</p:sld>
+</file>
+
+<file path=ppt/slides/slide6.xml><?xml version="1.0" encoding="utf-8"?>
+<p:sld xmlns:a="http://schemas.openxmlformats.org/drawingml/2006/main" xmlns:r="http://schemas.openxmlformats.org/officeDocument/2006/relationships" xmlns:p="http://schemas.openxmlformats.org/presentationml/2006/main">
+  <p:cSld>
+    <p:spTree>
+      <p:nvGrpSpPr>
+        <p:cNvPr id="1" name=""/>
+        <p:cNvGrpSpPr/>
+        <p:nvPr/>
+      </p:nvGrpSpPr>
+      <p:grpSpPr>
+        <a:xfrm>
+          <a:off x="0" y="0"/>
+          <a:ext cx="0" cy="0"/>
+          <a:chOff x="0" y="0"/>
+          <a:chExt cx="0" cy="0"/>
+        </a:xfrm>
+      </p:grpSpPr>
+      <p:sp>
+        <p:nvSpPr>
+          <p:cNvPr id="2" name="Titel 1">
+            <a:extLst>
+              <a:ext uri="{FF2B5EF4-FFF2-40B4-BE49-F238E27FC236}">
                 <a16:creationId xmlns:a16="http://schemas.microsoft.com/office/drawing/2014/main" id="{3C444E00-9959-4D0D-8513-CD6048E65337}"/>
               </a:ext>
             </a:extLst>
@@ -8539,7 +8632,7 @@
 </p:sld>
 </file>
 
-<file path=ppt/slides/slide6.xml><?xml version="1.0" encoding="utf-8"?>
+<file path=ppt/slides/slide7.xml><?xml version="1.0" encoding="utf-8"?>
 <p:sld xmlns:a="http://schemas.openxmlformats.org/drawingml/2006/main" xmlns:r="http://schemas.openxmlformats.org/officeDocument/2006/relationships" xmlns:p="http://schemas.openxmlformats.org/presentationml/2006/main">
   <p:cSld>
     <p:spTree>
@@ -8620,96 +8713,6 @@
     <p:extLst>
       <p:ext uri="{BB962C8B-B14F-4D97-AF65-F5344CB8AC3E}">
         <p14:creationId xmlns:p14="http://schemas.microsoft.com/office/powerpoint/2010/main" val="3155378107"/>
-      </p:ext>
-    </p:extLst>
-  </p:cSld>
-  <p:clrMapOvr>
-    <a:masterClrMapping/>
-  </p:clrMapOvr>
-</p:sld>
-</file>
-
-<file path=ppt/slides/slide7.xml><?xml version="1.0" encoding="utf-8"?>
-<p:sld xmlns:a="http://schemas.openxmlformats.org/drawingml/2006/main" xmlns:r="http://schemas.openxmlformats.org/officeDocument/2006/relationships" xmlns:p="http://schemas.openxmlformats.org/presentationml/2006/main">
-  <p:cSld>
-    <p:spTree>
-      <p:nvGrpSpPr>
-        <p:cNvPr id="1" name=""/>
-        <p:cNvGrpSpPr/>
-        <p:nvPr/>
-      </p:nvGrpSpPr>
-      <p:grpSpPr>
-        <a:xfrm>
-          <a:off x="0" y="0"/>
-          <a:ext cx="0" cy="0"/>
-          <a:chOff x="0" y="0"/>
-          <a:chExt cx="0" cy="0"/>
-        </a:xfrm>
-      </p:grpSpPr>
-      <p:sp>
-        <p:nvSpPr>
-          <p:cNvPr id="2" name="Titel 1">
-            <a:extLst>
-              <a:ext uri="{FF2B5EF4-FFF2-40B4-BE49-F238E27FC236}">
-                <a16:creationId xmlns:a16="http://schemas.microsoft.com/office/drawing/2014/main" id="{4C1E04C3-335F-4DE2-B3A4-C2812CC6A8CF}"/>
-              </a:ext>
-            </a:extLst>
-          </p:cNvPr>
-          <p:cNvSpPr>
-            <a:spLocks noGrp="1"/>
-          </p:cNvSpPr>
-          <p:nvPr>
-            <p:ph type="title"/>
-          </p:nvPr>
-        </p:nvSpPr>
-        <p:spPr/>
-        <p:txBody>
-          <a:bodyPr/>
-          <a:lstStyle/>
-          <a:p>
-            <a:r>
-              <a:rPr lang="da-DK" dirty="0"/>
-              <a:t>SSD for UC01</a:t>
-            </a:r>
-          </a:p>
-        </p:txBody>
-      </p:sp>
-      <p:pic>
-        <p:nvPicPr>
-          <p:cNvPr id="4" name="Pladsholder til indhold 3">
-            <a:extLst>
-              <a:ext uri="{FF2B5EF4-FFF2-40B4-BE49-F238E27FC236}">
-                <a16:creationId xmlns:a16="http://schemas.microsoft.com/office/drawing/2014/main" id="{B0FC3B8B-BE44-4CFE-9B62-56433F7EC29B}"/>
-              </a:ext>
-            </a:extLst>
-          </p:cNvPr>
-          <p:cNvPicPr>
-            <a:picLocks noGrp="1"/>
-          </p:cNvPicPr>
-          <p:nvPr>
-            <p:ph idx="1"/>
-          </p:nvPr>
-        </p:nvPicPr>
-        <p:blipFill>
-          <a:blip r:embed="rId2"/>
-          <a:stretch>
-            <a:fillRect/>
-          </a:stretch>
-        </p:blipFill>
-        <p:spPr>
-          <a:xfrm>
-            <a:off x="4665306" y="1530221"/>
-            <a:ext cx="4683967" cy="4963886"/>
-          </a:xfrm>
-          <a:prstGeom prst="rect">
-            <a:avLst/>
-          </a:prstGeom>
-        </p:spPr>
-      </p:pic>
-    </p:spTree>
-    <p:extLst>
-      <p:ext uri="{BB962C8B-B14F-4D97-AF65-F5344CB8AC3E}">
-        <p14:creationId xmlns:p14="http://schemas.microsoft.com/office/powerpoint/2010/main" val="901667559"/>
       </p:ext>
     </p:extLst>
   </p:cSld>
@@ -8863,7 +8866,7 @@
           <p:cNvPr id="4" name="Pladsholder til indhold 3">
             <a:extLst>
               <a:ext uri="{FF2B5EF4-FFF2-40B4-BE49-F238E27FC236}">
-                <a16:creationId xmlns:a16="http://schemas.microsoft.com/office/drawing/2014/main" id="{0F977FEB-D383-4A22-B9FF-70DDE2FB6926}"/>
+                <a16:creationId xmlns:a16="http://schemas.microsoft.com/office/drawing/2014/main" id="{A4BD6BB4-A4BB-40E4-BF84-87154AA12562}"/>
               </a:ext>
             </a:extLst>
           </p:cNvPr>
@@ -8882,8 +8885,8 @@
         </p:blipFill>
         <p:spPr>
           <a:xfrm>
-            <a:off x="494522" y="1744825"/>
-            <a:ext cx="11495315" cy="4562670"/>
+            <a:off x="537522" y="2062066"/>
+            <a:ext cx="11368791" cy="3424334"/>
           </a:xfrm>
           <a:prstGeom prst="rect">
             <a:avLst/>
